--- a/new_lec/mini_project/mini_02/disabled/프로젝트 주제.pptx
+++ b/new_lec/mini_project/mini_02/disabled/프로젝트 주제.pptx
@@ -3216,11 +3216,7 @@
             </a:r>
             <a:r>
               <a:rPr lang="en-US" altLang="ko-KR" sz="1200" dirty="0" smtClean="0"/>
-              <a:t>best 100</a:t>
-            </a:r>
-            <a:r>
-              <a:rPr lang="en-US" altLang="ko-KR" sz="1200" dirty="0" smtClean="0"/>
-              <a:t>, </a:t>
+              <a:t>best 100, </a:t>
             </a:r>
           </a:p>
           <a:p>
@@ -3235,32 +3231,60 @@
           </a:p>
           <a:p>
             <a:r>
-              <a:rPr lang="ko-KR" altLang="en-US" sz="1200" dirty="0" smtClean="0"/>
+              <a:rPr lang="ko-KR" altLang="en-US" sz="1200" dirty="0" smtClean="0">
+                <a:solidFill>
+                  <a:srgbClr val="00B0F0"/>
+                </a:solidFill>
+              </a:rPr>
               <a:t>유동인</a:t>
             </a:r>
             <a:r>
-              <a:rPr lang="ko-KR" altLang="en-US" sz="1200" dirty="0"/>
+              <a:rPr lang="ko-KR" altLang="en-US" sz="1200" dirty="0">
+                <a:solidFill>
+                  <a:srgbClr val="00B0F0"/>
+                </a:solidFill>
+              </a:rPr>
               <a:t>구</a:t>
             </a:r>
-            <a:endParaRPr lang="en-US" altLang="ko-KR" sz="1200" dirty="0" smtClean="0"/>
-          </a:p>
-          <a:p>
-            <a:r>
-              <a:rPr lang="ko-KR" altLang="en-US" sz="1200" dirty="0" smtClean="0"/>
+            <a:endParaRPr lang="en-US" altLang="ko-KR" sz="1200" dirty="0" smtClean="0">
+              <a:solidFill>
+                <a:srgbClr val="00B0F0"/>
+              </a:solidFill>
+            </a:endParaRPr>
+          </a:p>
+          <a:p>
+            <a:r>
+              <a:rPr lang="ko-KR" altLang="en-US" sz="1200" dirty="0" smtClean="0">
+                <a:solidFill>
+                  <a:srgbClr val="00B0F0"/>
+                </a:solidFill>
+              </a:rPr>
               <a:t>인구수</a:t>
             </a:r>
             <a:r>
-              <a:rPr lang="en-US" altLang="ko-KR" sz="1200" dirty="0" smtClean="0"/>
+              <a:rPr lang="en-US" altLang="ko-KR" sz="1200" dirty="0" smtClean="0">
+                <a:solidFill>
+                  <a:srgbClr val="00B0F0"/>
+                </a:solidFill>
+              </a:rPr>
               <a:t>, </a:t>
             </a:r>
           </a:p>
           <a:p>
             <a:r>
-              <a:rPr lang="ko-KR" altLang="en-US" sz="1200" dirty="0" smtClean="0"/>
+              <a:rPr lang="ko-KR" altLang="en-US" sz="1200" dirty="0" smtClean="0">
+                <a:solidFill>
+                  <a:srgbClr val="00B0F0"/>
+                </a:solidFill>
+              </a:rPr>
               <a:t>시간대별 </a:t>
             </a:r>
             <a:r>
-              <a:rPr lang="ko-KR" altLang="en-US" sz="1200" dirty="0" err="1" smtClean="0"/>
+              <a:rPr lang="ko-KR" altLang="en-US" sz="1200" dirty="0" err="1" smtClean="0">
+                <a:solidFill>
+                  <a:srgbClr val="00B0F0"/>
+                </a:solidFill>
+              </a:rPr>
               <a:t>이용율</a:t>
             </a:r>
             <a:r>

--- a/new_lec/mini_project/mini_02/disabled/프로젝트 주제.pptx
+++ b/new_lec/mini_project/mini_02/disabled/프로젝트 주제.pptx
@@ -288,7 +288,7 @@
           <a:p>
             <a:fld id="{64F8B6E9-CF64-4C82-84A3-E4015F63C8A1}" type="datetimeFigureOut">
               <a:rPr lang="ko-KR" altLang="en-US" smtClean="0"/>
-              <a:t>2019-09-05</a:t>
+              <a:t>2019-09-06</a:t>
             </a:fld>
             <a:endParaRPr lang="ko-KR" altLang="en-US"/>
           </a:p>
@@ -458,7 +458,7 @@
           <a:p>
             <a:fld id="{64F8B6E9-CF64-4C82-84A3-E4015F63C8A1}" type="datetimeFigureOut">
               <a:rPr lang="ko-KR" altLang="en-US" smtClean="0"/>
-              <a:t>2019-09-05</a:t>
+              <a:t>2019-09-06</a:t>
             </a:fld>
             <a:endParaRPr lang="ko-KR" altLang="en-US"/>
           </a:p>
@@ -638,7 +638,7 @@
           <a:p>
             <a:fld id="{64F8B6E9-CF64-4C82-84A3-E4015F63C8A1}" type="datetimeFigureOut">
               <a:rPr lang="ko-KR" altLang="en-US" smtClean="0"/>
-              <a:t>2019-09-05</a:t>
+              <a:t>2019-09-06</a:t>
             </a:fld>
             <a:endParaRPr lang="ko-KR" altLang="en-US"/>
           </a:p>
@@ -808,7 +808,7 @@
           <a:p>
             <a:fld id="{64F8B6E9-CF64-4C82-84A3-E4015F63C8A1}" type="datetimeFigureOut">
               <a:rPr lang="ko-KR" altLang="en-US" smtClean="0"/>
-              <a:t>2019-09-05</a:t>
+              <a:t>2019-09-06</a:t>
             </a:fld>
             <a:endParaRPr lang="ko-KR" altLang="en-US"/>
           </a:p>
@@ -1054,7 +1054,7 @@
           <a:p>
             <a:fld id="{64F8B6E9-CF64-4C82-84A3-E4015F63C8A1}" type="datetimeFigureOut">
               <a:rPr lang="ko-KR" altLang="en-US" smtClean="0"/>
-              <a:t>2019-09-05</a:t>
+              <a:t>2019-09-06</a:t>
             </a:fld>
             <a:endParaRPr lang="ko-KR" altLang="en-US"/>
           </a:p>
@@ -1342,7 +1342,7 @@
           <a:p>
             <a:fld id="{64F8B6E9-CF64-4C82-84A3-E4015F63C8A1}" type="datetimeFigureOut">
               <a:rPr lang="ko-KR" altLang="en-US" smtClean="0"/>
-              <a:t>2019-09-05</a:t>
+              <a:t>2019-09-06</a:t>
             </a:fld>
             <a:endParaRPr lang="ko-KR" altLang="en-US"/>
           </a:p>
@@ -1764,7 +1764,7 @@
           <a:p>
             <a:fld id="{64F8B6E9-CF64-4C82-84A3-E4015F63C8A1}" type="datetimeFigureOut">
               <a:rPr lang="ko-KR" altLang="en-US" smtClean="0"/>
-              <a:t>2019-09-05</a:t>
+              <a:t>2019-09-06</a:t>
             </a:fld>
             <a:endParaRPr lang="ko-KR" altLang="en-US"/>
           </a:p>
@@ -1882,7 +1882,7 @@
           <a:p>
             <a:fld id="{64F8B6E9-CF64-4C82-84A3-E4015F63C8A1}" type="datetimeFigureOut">
               <a:rPr lang="ko-KR" altLang="en-US" smtClean="0"/>
-              <a:t>2019-09-05</a:t>
+              <a:t>2019-09-06</a:t>
             </a:fld>
             <a:endParaRPr lang="ko-KR" altLang="en-US"/>
           </a:p>
@@ -1977,7 +1977,7 @@
           <a:p>
             <a:fld id="{64F8B6E9-CF64-4C82-84A3-E4015F63C8A1}" type="datetimeFigureOut">
               <a:rPr lang="ko-KR" altLang="en-US" smtClean="0"/>
-              <a:t>2019-09-05</a:t>
+              <a:t>2019-09-06</a:t>
             </a:fld>
             <a:endParaRPr lang="ko-KR" altLang="en-US"/>
           </a:p>
@@ -2254,7 +2254,7 @@
           <a:p>
             <a:fld id="{64F8B6E9-CF64-4C82-84A3-E4015F63C8A1}" type="datetimeFigureOut">
               <a:rPr lang="ko-KR" altLang="en-US" smtClean="0"/>
-              <a:t>2019-09-05</a:t>
+              <a:t>2019-09-06</a:t>
             </a:fld>
             <a:endParaRPr lang="ko-KR" altLang="en-US"/>
           </a:p>
@@ -2507,7 +2507,7 @@
           <a:p>
             <a:fld id="{64F8B6E9-CF64-4C82-84A3-E4015F63C8A1}" type="datetimeFigureOut">
               <a:rPr lang="ko-KR" altLang="en-US" smtClean="0"/>
-              <a:t>2019-09-05</a:t>
+              <a:t>2019-09-06</a:t>
             </a:fld>
             <a:endParaRPr lang="ko-KR" altLang="en-US"/>
           </a:p>
@@ -2720,7 +2720,7 @@
           <a:p>
             <a:fld id="{64F8B6E9-CF64-4C82-84A3-E4015F63C8A1}" type="datetimeFigureOut">
               <a:rPr lang="ko-KR" altLang="en-US" smtClean="0"/>
-              <a:t>2019-09-05</a:t>
+              <a:t>2019-09-06</a:t>
             </a:fld>
             <a:endParaRPr lang="ko-KR" altLang="en-US"/>
           </a:p>
@@ -3207,33 +3207,82 @@
           </a:p>
           <a:p>
             <a:r>
-              <a:rPr lang="ko-KR" altLang="en-US" sz="1200" dirty="0" smtClean="0"/>
+              <a:rPr lang="ko-KR" altLang="en-US" sz="1200" dirty="0" smtClean="0">
+                <a:solidFill>
+                  <a:srgbClr val="00B050"/>
+                </a:solidFill>
+              </a:rPr>
               <a:t>목적지</a:t>
             </a:r>
             <a:r>
-              <a:rPr lang="en-US" altLang="ko-KR" sz="1200" dirty="0"/>
+              <a:rPr lang="en-US" altLang="ko-KR" sz="1200" dirty="0">
+                <a:solidFill>
+                  <a:srgbClr val="00B050"/>
+                </a:solidFill>
+              </a:rPr>
               <a:t> </a:t>
             </a:r>
             <a:r>
-              <a:rPr lang="en-US" altLang="ko-KR" sz="1200" dirty="0" smtClean="0"/>
-              <a:t>best 100, </a:t>
-            </a:r>
-          </a:p>
-          <a:p>
-            <a:r>
-              <a:rPr lang="ko-KR" altLang="en-US" sz="1200" dirty="0" smtClean="0"/>
+              <a:rPr lang="en-US" altLang="ko-KR" sz="1200" dirty="0" smtClean="0">
+                <a:solidFill>
+                  <a:srgbClr val="00B050"/>
+                </a:solidFill>
+              </a:rPr>
+              <a:t>best </a:t>
+            </a:r>
+            <a:r>
+              <a:rPr lang="en-US" altLang="ko-KR" sz="1200" dirty="0" smtClean="0">
+                <a:solidFill>
+                  <a:srgbClr val="00B050"/>
+                </a:solidFill>
+              </a:rPr>
+              <a:t>100</a:t>
+            </a:r>
+            <a:endParaRPr lang="en-US" altLang="ko-KR" sz="1200" dirty="0" smtClean="0">
+              <a:solidFill>
+                <a:srgbClr val="00B050"/>
+              </a:solidFill>
+            </a:endParaRPr>
+          </a:p>
+          <a:p>
+            <a:r>
+              <a:rPr lang="ko-KR" altLang="en-US" sz="1200" dirty="0" smtClean="0">
+                <a:solidFill>
+                  <a:srgbClr val="00B050"/>
+                </a:solidFill>
+              </a:rPr>
               <a:t>출발지 </a:t>
             </a:r>
             <a:r>
-              <a:rPr lang="en-US" altLang="ko-KR" sz="1200" dirty="0" smtClean="0"/>
-              <a:t>best 100, </a:t>
-            </a:r>
+              <a:rPr lang="en-US" altLang="ko-KR" sz="1200" dirty="0" smtClean="0">
+                <a:solidFill>
+                  <a:srgbClr val="00B050"/>
+                </a:solidFill>
+              </a:rPr>
+              <a:t>best </a:t>
+            </a:r>
+            <a:r>
+              <a:rPr lang="en-US" altLang="ko-KR" sz="1200" dirty="0" smtClean="0">
+                <a:solidFill>
+                  <a:srgbClr val="00B050"/>
+                </a:solidFill>
+              </a:rPr>
+              <a:t>100 </a:t>
+            </a:r>
+            <a:endParaRPr lang="en-US" altLang="ko-KR" sz="1200" dirty="0" smtClean="0">
+              <a:solidFill>
+                <a:srgbClr val="00B050"/>
+              </a:solidFill>
+            </a:endParaRPr>
           </a:p>
           <a:p>
             <a:r>
               <a:rPr lang="ko-KR" altLang="en-US" sz="1200" dirty="0" smtClean="0">
                 <a:solidFill>
-                  <a:srgbClr val="00B0F0"/>
+                  <a:schemeClr val="tx1">
+                    <a:lumMod val="50000"/>
+                    <a:lumOff val="50000"/>
+                  </a:schemeClr>
                 </a:solidFill>
               </a:rPr>
               <a:t>유동인</a:t>
@@ -3241,14 +3290,20 @@
             <a:r>
               <a:rPr lang="ko-KR" altLang="en-US" sz="1200" dirty="0">
                 <a:solidFill>
-                  <a:srgbClr val="00B0F0"/>
+                  <a:schemeClr val="tx1">
+                    <a:lumMod val="50000"/>
+                    <a:lumOff val="50000"/>
+                  </a:schemeClr>
                 </a:solidFill>
               </a:rPr>
               <a:t>구</a:t>
             </a:r>
             <a:endParaRPr lang="en-US" altLang="ko-KR" sz="1200" dirty="0" smtClean="0">
               <a:solidFill>
-                <a:srgbClr val="00B0F0"/>
+                <a:schemeClr val="tx1">
+                  <a:lumMod val="50000"/>
+                  <a:lumOff val="50000"/>
+                </a:schemeClr>
               </a:solidFill>
             </a:endParaRPr>
           </a:p>
@@ -3256,25 +3311,25 @@
             <a:r>
               <a:rPr lang="ko-KR" altLang="en-US" sz="1200" dirty="0" smtClean="0">
                 <a:solidFill>
-                  <a:srgbClr val="00B0F0"/>
+                  <a:srgbClr val="00B050"/>
                 </a:solidFill>
               </a:rPr>
               <a:t>인구수</a:t>
             </a:r>
-            <a:r>
-              <a:rPr lang="en-US" altLang="ko-KR" sz="1200" dirty="0" smtClean="0">
-                <a:solidFill>
-                  <a:srgbClr val="00B0F0"/>
-                </a:solidFill>
-              </a:rPr>
-              <a:t>, </a:t>
-            </a:r>
+            <a:endParaRPr lang="en-US" altLang="ko-KR" sz="1200" dirty="0" smtClean="0">
+              <a:solidFill>
+                <a:srgbClr val="00B050"/>
+              </a:solidFill>
+            </a:endParaRPr>
           </a:p>
           <a:p>
             <a:r>
               <a:rPr lang="ko-KR" altLang="en-US" sz="1200" dirty="0" smtClean="0">
                 <a:solidFill>
-                  <a:srgbClr val="00B0F0"/>
+                  <a:schemeClr val="tx1">
+                    <a:lumMod val="50000"/>
+                    <a:lumOff val="50000"/>
+                  </a:schemeClr>
                 </a:solidFill>
               </a:rPr>
               <a:t>시간대별 </a:t>
@@ -3282,15 +3337,22 @@
             <a:r>
               <a:rPr lang="ko-KR" altLang="en-US" sz="1200" dirty="0" err="1" smtClean="0">
                 <a:solidFill>
-                  <a:srgbClr val="00B0F0"/>
+                  <a:schemeClr val="tx1">
+                    <a:lumMod val="50000"/>
+                    <a:lumOff val="50000"/>
+                  </a:schemeClr>
                 </a:solidFill>
               </a:rPr>
               <a:t>이용율</a:t>
             </a:r>
-            <a:r>
-              <a:rPr lang="en-US" altLang="ko-KR" sz="1200" dirty="0" smtClean="0"/>
-              <a:t>, </a:t>
-            </a:r>
+            <a:endParaRPr lang="en-US" altLang="ko-KR" sz="1200" dirty="0" smtClean="0">
+              <a:solidFill>
+                <a:schemeClr val="tx1">
+                  <a:lumMod val="50000"/>
+                  <a:lumOff val="50000"/>
+                </a:schemeClr>
+              </a:solidFill>
+            </a:endParaRPr>
           </a:p>
           <a:p>
             <a:r>
@@ -3888,23 +3950,25 @@
           </a:p>
           <a:p>
             <a:r>
-              <a:rPr lang="ko-KR" altLang="en-US" sz="1600" dirty="0" smtClean="0"/>
+              <a:rPr lang="ko-KR" altLang="en-US" sz="1600" dirty="0" smtClean="0">
+                <a:solidFill>
+                  <a:srgbClr val="00B050"/>
+                </a:solidFill>
+              </a:rPr>
               <a:t>대기시간</a:t>
             </a:r>
-            <a:r>
-              <a:rPr lang="en-US" altLang="ko-KR" sz="1600" dirty="0" smtClean="0"/>
-              <a:t>,</a:t>
-            </a:r>
+            <a:endParaRPr lang="en-US" altLang="ko-KR" sz="1600" dirty="0" smtClean="0">
+              <a:solidFill>
+                <a:srgbClr val="00B050"/>
+              </a:solidFill>
+            </a:endParaRPr>
           </a:p>
           <a:p>
             <a:r>
               <a:rPr lang="ko-KR" altLang="en-US" sz="1600" dirty="0" smtClean="0"/>
               <a:t>만족도</a:t>
             </a:r>
-            <a:r>
-              <a:rPr lang="en-US" altLang="ko-KR" sz="1600" dirty="0" smtClean="0"/>
-              <a:t>,</a:t>
-            </a:r>
+            <a:endParaRPr lang="en-US" altLang="ko-KR" sz="1600" dirty="0" smtClean="0"/>
           </a:p>
           <a:p>
             <a:r>
